--- a/test/plotParameterSequence/compress.pptx
+++ b/test/plotParameterSequence/compress.pptx
@@ -5,7 +5,7 @@
     <p:sldMasterId id="2147483648" r:id="rId1"/>
   </p:sldMasterIdLst>
   <p:sldIdLst>
-    <p:sldId id="256" r:id="rId2"/>
+    <p:sldId id="257" r:id="rId2"/>
   </p:sldIdLst>
   <p:sldSz cx="12192000" cy="6858000"/>
   <p:notesSz cx="6858000" cy="9144000"/>
@@ -104,6 +104,11 @@
       </a:defRPr>
     </a:lvl9pPr>
   </p:defaultTextStyle>
+  <p:extLst>
+    <p:ext uri="{EFAFB233-063F-42B5-8137-9DF3F51BA10A}">
+      <p15:sldGuideLst xmlns:p15="http://schemas.microsoft.com/office/powerpoint/2012/main"/>
+    </p:ext>
+  </p:extLst>
 </p:presentation>
 </file>
 
@@ -256,7 +261,7 @@
           <a:p>
             <a:fld id="{9B9E4553-B1D6-432E-ADDC-54119963D104}" type="datetimeFigureOut">
               <a:rPr lang="zh-CN" altLang="en-US" smtClean="0"/>
-              <a:t>2023/12/24</a:t>
+              <a:t>2024/5/7</a:t>
             </a:fld>
             <a:endParaRPr lang="zh-CN" altLang="en-US"/>
           </a:p>
@@ -456,7 +461,7 @@
           <a:p>
             <a:fld id="{9B9E4553-B1D6-432E-ADDC-54119963D104}" type="datetimeFigureOut">
               <a:rPr lang="zh-CN" altLang="en-US" smtClean="0"/>
-              <a:t>2023/12/24</a:t>
+              <a:t>2024/5/7</a:t>
             </a:fld>
             <a:endParaRPr lang="zh-CN" altLang="en-US"/>
           </a:p>
@@ -666,7 +671,7 @@
           <a:p>
             <a:fld id="{9B9E4553-B1D6-432E-ADDC-54119963D104}" type="datetimeFigureOut">
               <a:rPr lang="zh-CN" altLang="en-US" smtClean="0"/>
-              <a:t>2023/12/24</a:t>
+              <a:t>2024/5/7</a:t>
             </a:fld>
             <a:endParaRPr lang="zh-CN" altLang="en-US"/>
           </a:p>
@@ -866,7 +871,7 @@
           <a:p>
             <a:fld id="{9B9E4553-B1D6-432E-ADDC-54119963D104}" type="datetimeFigureOut">
               <a:rPr lang="zh-CN" altLang="en-US" smtClean="0"/>
-              <a:t>2023/12/24</a:t>
+              <a:t>2024/5/7</a:t>
             </a:fld>
             <a:endParaRPr lang="zh-CN" altLang="en-US"/>
           </a:p>
@@ -1142,7 +1147,7 @@
           <a:p>
             <a:fld id="{9B9E4553-B1D6-432E-ADDC-54119963D104}" type="datetimeFigureOut">
               <a:rPr lang="zh-CN" altLang="en-US" smtClean="0"/>
-              <a:t>2023/12/24</a:t>
+              <a:t>2024/5/7</a:t>
             </a:fld>
             <a:endParaRPr lang="zh-CN" altLang="en-US"/>
           </a:p>
@@ -1410,7 +1415,7 @@
           <a:p>
             <a:fld id="{9B9E4553-B1D6-432E-ADDC-54119963D104}" type="datetimeFigureOut">
               <a:rPr lang="zh-CN" altLang="en-US" smtClean="0"/>
-              <a:t>2023/12/24</a:t>
+              <a:t>2024/5/7</a:t>
             </a:fld>
             <a:endParaRPr lang="zh-CN" altLang="en-US"/>
           </a:p>
@@ -1825,7 +1830,7 @@
           <a:p>
             <a:fld id="{9B9E4553-B1D6-432E-ADDC-54119963D104}" type="datetimeFigureOut">
               <a:rPr lang="zh-CN" altLang="en-US" smtClean="0"/>
-              <a:t>2023/12/24</a:t>
+              <a:t>2024/5/7</a:t>
             </a:fld>
             <a:endParaRPr lang="zh-CN" altLang="en-US"/>
           </a:p>
@@ -1967,7 +1972,7 @@
           <a:p>
             <a:fld id="{9B9E4553-B1D6-432E-ADDC-54119963D104}" type="datetimeFigureOut">
               <a:rPr lang="zh-CN" altLang="en-US" smtClean="0"/>
-              <a:t>2023/12/24</a:t>
+              <a:t>2024/5/7</a:t>
             </a:fld>
             <a:endParaRPr lang="zh-CN" altLang="en-US"/>
           </a:p>
@@ -2080,7 +2085,7 @@
           <a:p>
             <a:fld id="{9B9E4553-B1D6-432E-ADDC-54119963D104}" type="datetimeFigureOut">
               <a:rPr lang="zh-CN" altLang="en-US" smtClean="0"/>
-              <a:t>2023/12/24</a:t>
+              <a:t>2024/5/7</a:t>
             </a:fld>
             <a:endParaRPr lang="zh-CN" altLang="en-US"/>
           </a:p>
@@ -2393,7 +2398,7 @@
           <a:p>
             <a:fld id="{9B9E4553-B1D6-432E-ADDC-54119963D104}" type="datetimeFigureOut">
               <a:rPr lang="zh-CN" altLang="en-US" smtClean="0"/>
-              <a:t>2023/12/24</a:t>
+              <a:t>2024/5/7</a:t>
             </a:fld>
             <a:endParaRPr lang="zh-CN" altLang="en-US"/>
           </a:p>
@@ -2682,7 +2687,7 @@
           <a:p>
             <a:fld id="{9B9E4553-B1D6-432E-ADDC-54119963D104}" type="datetimeFigureOut">
               <a:rPr lang="zh-CN" altLang="en-US" smtClean="0"/>
-              <a:t>2023/12/24</a:t>
+              <a:t>2024/5/7</a:t>
             </a:fld>
             <a:endParaRPr lang="zh-CN" altLang="en-US"/>
           </a:p>
@@ -2925,7 +2930,7 @@
           <a:p>
             <a:fld id="{9B9E4553-B1D6-432E-ADDC-54119963D104}" type="datetimeFigureOut">
               <a:rPr lang="zh-CN" altLang="en-US" smtClean="0"/>
-              <a:t>2023/12/24</a:t>
+              <a:t>2024/5/7</a:t>
             </a:fld>
             <a:endParaRPr lang="zh-CN" altLang="en-US"/>
           </a:p>
@@ -3344,10 +3349,10 @@
       </p:grpSpPr>
       <p:pic>
         <p:nvPicPr>
-          <p:cNvPr id="5" name="Picture 4">
-            <a:extLst>
-              <a:ext uri="{FF2B5EF4-FFF2-40B4-BE49-F238E27FC236}">
-                <a16:creationId xmlns:a16="http://schemas.microsoft.com/office/drawing/2014/main" id="{4774CC80-714B-4968-92D4-7948285AA60E}"/>
+          <p:cNvPr id="7" name="Picture 6">
+            <a:extLst>
+              <a:ext uri="{FF2B5EF4-FFF2-40B4-BE49-F238E27FC236}">
+                <a16:creationId xmlns:a16="http://schemas.microsoft.com/office/drawing/2014/main" id="{EA83B24F-6454-4DA4-B3C2-C41A1B38151D}"/>
               </a:ext>
             </a:extLst>
           </p:cNvPr>
@@ -3381,7 +3386,7 @@
     </p:spTree>
     <p:extLst>
       <p:ext uri="{BB962C8B-B14F-4D97-AF65-F5344CB8AC3E}">
-        <p14:creationId xmlns:p14="http://schemas.microsoft.com/office/powerpoint/2010/main" val="2214073374"/>
+        <p14:creationId xmlns:p14="http://schemas.microsoft.com/office/powerpoint/2010/main" val="1177553923"/>
       </p:ext>
     </p:extLst>
   </p:cSld>
